--- a/4팀_프로젝트기획서.pptx
+++ b/4팀_프로젝트기획서.pptx
@@ -4051,8 +4051,8 @@
         </p:blipFill>
         <p:spPr>
           <a:xfrm>
-            <a:off x="-7828571" y="1192051"/>
-            <a:ext cx="33942857" cy="9367919"/>
+            <a:off x="-8296765" y="1091422"/>
+            <a:ext cx="34164600" cy="9367919"/>
           </a:xfrm>
           <a:prstGeom prst="rect">
             <a:avLst/>
@@ -5294,9 +5294,9 @@
         </p:nvGrpSpPr>
         <p:grpSpPr>
           <a:xfrm>
-            <a:off x="8380134" y="5266109"/>
+            <a:off x="8038527" y="5266109"/>
             <a:ext cx="3574483" cy="3574483"/>
-            <a:chOff x="8380134" y="5266109"/>
+            <a:chOff x="8038527" y="5266109"/>
             <a:chExt cx="3574483" cy="3574483"/>
           </a:xfrm>
         </p:grpSpPr>
@@ -5316,7 +5316,7 @@
           </p:blipFill>
           <p:spPr>
             <a:xfrm>
-              <a:off x="8380134" y="5266109"/>
+              <a:off x="8038527" y="5266109"/>
               <a:ext cx="3574483" cy="3574483"/>
             </a:xfrm>
             <a:prstGeom prst="rect">
@@ -5333,9 +5333,9 @@
         </p:nvGrpSpPr>
         <p:grpSpPr>
           <a:xfrm>
-            <a:off x="8282912" y="1107752"/>
+            <a:off x="8038527" y="978372"/>
             <a:ext cx="3527950" cy="3546135"/>
-            <a:chOff x="8282912" y="1107752"/>
+            <a:chOff x="8038527" y="978372"/>
             <a:chExt cx="3527950" cy="3546135"/>
           </a:xfrm>
         </p:grpSpPr>
@@ -5355,7 +5355,7 @@
           </p:blipFill>
           <p:spPr>
             <a:xfrm>
-              <a:off x="8282912" y="1107752"/>
+              <a:off x="8038527" y="978372"/>
               <a:ext cx="3527950" cy="3546135"/>
             </a:xfrm>
             <a:prstGeom prst="rect">
@@ -5405,10 +5405,10 @@
         </p:nvGrpSpPr>
         <p:grpSpPr>
           <a:xfrm>
-            <a:off x="2875550" y="264557"/>
-            <a:ext cx="12534615" cy="9295025"/>
-            <a:chOff x="2875550" y="264557"/>
-            <a:chExt cx="12534615" cy="9295025"/>
+            <a:off x="2662919" y="843343"/>
+            <a:ext cx="12959877" cy="9149648"/>
+            <a:chOff x="2662919" y="843343"/>
+            <a:chExt cx="12959877" cy="9149648"/>
           </a:xfrm>
         </p:grpSpPr>
         <p:pic>
@@ -5427,8 +5427,8 @@
           </p:blipFill>
           <p:spPr>
             <a:xfrm>
-              <a:off x="2875550" y="264557"/>
-              <a:ext cx="12534615" cy="9295025"/>
+              <a:off x="2662919" y="843343"/>
+              <a:ext cx="12959877" cy="9149648"/>
             </a:xfrm>
             <a:prstGeom prst="rect">
               <a:avLst/>

--- a/4팀_프로젝트기획서.pptx
+++ b/4팀_프로젝트기획서.pptx
@@ -19,6 +19,7 @@
     <p:sldId id="267" r:id="rId13"/>
     <p:sldId id="268" r:id="rId14"/>
     <p:sldId id="269" r:id="rId15"/>
+    <p:sldId id="270" r:id="rId16"/>
   </p:sldIdLst>
   <p:sldSz cx="18288000" cy="10287000" type="screen4x3"/>
   <p:notesSz cx="10287000" cy="18288000"/>
@@ -3356,10 +3357,10 @@
         </p:nvGrpSpPr>
         <p:grpSpPr>
           <a:xfrm>
-            <a:off x="498796" y="368838"/>
-            <a:ext cx="11336640" cy="9490536"/>
-            <a:chOff x="498796" y="368838"/>
-            <a:chExt cx="11336640" cy="9490536"/>
+            <a:off x="13895238" y="0"/>
+            <a:ext cx="4383744" cy="5656444"/>
+            <a:chOff x="13895238" y="0"/>
+            <a:chExt cx="4383744" cy="5656444"/>
           </a:xfrm>
         </p:grpSpPr>
         <p:pic>
@@ -3378,8 +3379,47 @@
           </p:blipFill>
           <p:spPr>
             <a:xfrm>
-              <a:off x="498796" y="368838"/>
-              <a:ext cx="11336640" cy="9490536"/>
+              <a:off x="13895238" y="0"/>
+              <a:ext cx="4383744" cy="5656444"/>
+            </a:xfrm>
+            <a:prstGeom prst="rect">
+              <a:avLst/>
+            </a:prstGeom>
+          </p:spPr>
+        </p:pic>
+      </p:grpSp>
+      <p:grpSp>
+        <p:nvGrpSpPr>
+          <p:cNvPr id="1002" name="그룹 1002"/>
+          <p:cNvGrpSpPr/>
+          <p:nvPr/>
+        </p:nvGrpSpPr>
+        <p:grpSpPr>
+          <a:xfrm>
+            <a:off x="13894942" y="4629270"/>
+            <a:ext cx="4383744" cy="5656444"/>
+            <a:chOff x="13894942" y="4629270"/>
+            <a:chExt cx="4383744" cy="5656444"/>
+          </a:xfrm>
+        </p:grpSpPr>
+        <p:pic>
+          <p:nvPicPr>
+            <p:cNvPr id="6" name="Object 5"/>
+            <p:cNvPicPr>
+              <a:picLocks noChangeAspect="1"/>
+            </p:cNvPicPr>
+            <p:nvPr/>
+          </p:nvPicPr>
+          <p:blipFill>
+            <a:blip r:embed="rId3" cstate="print"/>
+            <a:stretch>
+              <a:fillRect/>
+            </a:stretch>
+          </p:blipFill>
+          <p:spPr>
+            <a:xfrm>
+              <a:off x="13894942" y="4629270"/>
+              <a:ext cx="4383744" cy="5656444"/>
             </a:xfrm>
             <a:prstGeom prst="rect">
               <a:avLst/>
@@ -3389,22 +3429,46 @@
       </p:grpSp>
       <p:pic>
         <p:nvPicPr>
-          <p:cNvPr id="5" name="Object 4"/>
+          <p:cNvPr id="8" name="Object 7"/>
           <p:cNvPicPr>
             <a:picLocks noChangeAspect="1"/>
           </p:cNvPicPr>
           <p:nvPr/>
         </p:nvPicPr>
         <p:blipFill>
-          <a:blip r:embed="rId3" cstate="print"/>
+          <a:blip r:embed="rId4" cstate="print"/>
           <a:stretch>
             <a:fillRect/>
           </a:stretch>
         </p:blipFill>
         <p:spPr>
           <a:xfrm>
-            <a:off x="10702282" y="-852851"/>
-            <a:ext cx="8672776" cy="6094302"/>
+            <a:off x="1452824" y="2645366"/>
+            <a:ext cx="8913353" cy="2529461"/>
+          </a:xfrm>
+          <a:prstGeom prst="rect">
+            <a:avLst/>
+          </a:prstGeom>
+        </p:spPr>
+      </p:pic>
+      <p:pic>
+        <p:nvPicPr>
+          <p:cNvPr id="9" name="Object 8"/>
+          <p:cNvPicPr>
+            <a:picLocks noChangeAspect="1"/>
+          </p:cNvPicPr>
+          <p:nvPr/>
+        </p:nvPicPr>
+        <p:blipFill>
+          <a:blip r:embed="rId5" cstate="print"/>
+          <a:stretch>
+            <a:fillRect/>
+          </a:stretch>
+        </p:blipFill>
+        <p:spPr>
+          <a:xfrm>
+            <a:off x="2716620" y="4560701"/>
+            <a:ext cx="6521669" cy="948548"/>
           </a:xfrm>
           <a:prstGeom prst="rect">
             <a:avLst/>
@@ -3452,10 +3516,10 @@
         </p:nvGrpSpPr>
         <p:grpSpPr>
           <a:xfrm>
-            <a:off x="522552" y="1170092"/>
-            <a:ext cx="11893884" cy="7629267"/>
-            <a:chOff x="522552" y="1170092"/>
-            <a:chExt cx="11893884" cy="7629267"/>
+            <a:off x="498796" y="368838"/>
+            <a:ext cx="11336640" cy="9490536"/>
+            <a:chOff x="498796" y="368838"/>
+            <a:chExt cx="11336640" cy="9490536"/>
           </a:xfrm>
         </p:grpSpPr>
         <p:pic>
@@ -3474,8 +3538,8 @@
           </p:blipFill>
           <p:spPr>
             <a:xfrm>
-              <a:off x="522552" y="1170092"/>
-              <a:ext cx="11893884" cy="7629267"/>
+              <a:off x="498796" y="368838"/>
+              <a:ext cx="11336640" cy="9490536"/>
             </a:xfrm>
             <a:prstGeom prst="rect">
               <a:avLst/>
@@ -3548,10 +3612,10 @@
         </p:nvGrpSpPr>
         <p:grpSpPr>
           <a:xfrm>
-            <a:off x="502550" y="976815"/>
-            <a:ext cx="12105413" cy="7785814"/>
-            <a:chOff x="502550" y="976815"/>
-            <a:chExt cx="12105413" cy="7785814"/>
+            <a:off x="522552" y="1170092"/>
+            <a:ext cx="11893884" cy="7629267"/>
+            <a:chOff x="522552" y="1170092"/>
+            <a:chExt cx="11893884" cy="7629267"/>
           </a:xfrm>
         </p:grpSpPr>
         <p:pic>
@@ -3570,8 +3634,8 @@
           </p:blipFill>
           <p:spPr>
             <a:xfrm>
-              <a:off x="502550" y="976815"/>
-              <a:ext cx="12105413" cy="7785814"/>
+              <a:off x="522552" y="1170092"/>
+              <a:ext cx="11893884" cy="7629267"/>
             </a:xfrm>
             <a:prstGeom prst="rect">
               <a:avLst/>
@@ -3789,6 +3853,252 @@
           <a:xfrm>
             <a:off x="11206110" y="-987267"/>
             <a:ext cx="8672776" cy="6094302"/>
+          </a:xfrm>
+          <a:prstGeom prst="rect">
+            <a:avLst/>
+          </a:prstGeom>
+        </p:spPr>
+      </p:pic>
+    </p:spTree>
+  </p:cSld>
+  <p:clrMapOvr>
+    <a:masterClrMapping/>
+  </p:clrMapOvr>
+</p:sld>
+</file>
+
+<file path=ppt/slides/slide15.xml><?xml version="1.0" encoding="utf-8"?>
+<p:sld xmlns:a="http://schemas.openxmlformats.org/drawingml/2006/main" xmlns:r="http://schemas.openxmlformats.org/officeDocument/2006/relationships" xmlns:p="http://schemas.openxmlformats.org/presentationml/2006/main">
+  <p:cSld name="Slide 15">
+    <p:bg>
+      <p:bgPr>
+        <a:solidFill>
+          <a:srgbClr val="FFFFFF"/>
+        </a:solidFill>
+        <a:effectLst/>
+      </p:bgPr>
+    </p:bg>
+    <p:spTree>
+      <p:nvGrpSpPr>
+        <p:cNvPr id="1" name=""/>
+        <p:cNvGrpSpPr/>
+        <p:nvPr/>
+      </p:nvGrpSpPr>
+      <p:grpSpPr>
+        <a:xfrm>
+          <a:off x="0" y="0"/>
+          <a:ext cx="0" cy="0"/>
+          <a:chOff x="0" y="0"/>
+          <a:chExt cx="0" cy="0"/>
+        </a:xfrm>
+      </p:grpSpPr>
+      <p:grpSp>
+        <p:nvGrpSpPr>
+          <p:cNvPr id="1001" name="그룹 1001"/>
+          <p:cNvGrpSpPr/>
+          <p:nvPr/>
+        </p:nvGrpSpPr>
+        <p:grpSpPr>
+          <a:xfrm>
+            <a:off x="13895238" y="0"/>
+            <a:ext cx="4383744" cy="5656444"/>
+            <a:chOff x="13895238" y="0"/>
+            <a:chExt cx="4383744" cy="5656444"/>
+          </a:xfrm>
+        </p:grpSpPr>
+        <p:pic>
+          <p:nvPicPr>
+            <p:cNvPr id="3" name="Object 2"/>
+            <p:cNvPicPr>
+              <a:picLocks noChangeAspect="1"/>
+            </p:cNvPicPr>
+            <p:nvPr/>
+          </p:nvPicPr>
+          <p:blipFill>
+            <a:blip r:embed="rId2" cstate="print"/>
+            <a:stretch>
+              <a:fillRect/>
+            </a:stretch>
+          </p:blipFill>
+          <p:spPr>
+            <a:xfrm>
+              <a:off x="13895238" y="0"/>
+              <a:ext cx="4383744" cy="5656444"/>
+            </a:xfrm>
+            <a:prstGeom prst="rect">
+              <a:avLst/>
+            </a:prstGeom>
+          </p:spPr>
+        </p:pic>
+      </p:grpSp>
+      <p:grpSp>
+        <p:nvGrpSpPr>
+          <p:cNvPr id="1002" name="그룹 1002"/>
+          <p:cNvGrpSpPr/>
+          <p:nvPr/>
+        </p:nvGrpSpPr>
+        <p:grpSpPr>
+          <a:xfrm>
+            <a:off x="13894942" y="4629270"/>
+            <a:ext cx="4383744" cy="5656444"/>
+            <a:chOff x="13894942" y="4629270"/>
+            <a:chExt cx="4383744" cy="5656444"/>
+          </a:xfrm>
+        </p:grpSpPr>
+        <p:pic>
+          <p:nvPicPr>
+            <p:cNvPr id="6" name="Object 5"/>
+            <p:cNvPicPr>
+              <a:picLocks noChangeAspect="1"/>
+            </p:cNvPicPr>
+            <p:nvPr/>
+          </p:nvPicPr>
+          <p:blipFill>
+            <a:blip r:embed="rId3" cstate="print"/>
+            <a:stretch>
+              <a:fillRect/>
+            </a:stretch>
+          </p:blipFill>
+          <p:spPr>
+            <a:xfrm>
+              <a:off x="13894942" y="4629270"/>
+              <a:ext cx="4383744" cy="5656444"/>
+            </a:xfrm>
+            <a:prstGeom prst="rect">
+              <a:avLst/>
+            </a:prstGeom>
+          </p:spPr>
+        </p:pic>
+      </p:grpSp>
+      <p:pic>
+        <p:nvPicPr>
+          <p:cNvPr id="8" name="Object 7"/>
+          <p:cNvPicPr>
+            <a:picLocks noChangeAspect="1"/>
+          </p:cNvPicPr>
+          <p:nvPr/>
+        </p:nvPicPr>
+        <p:blipFill>
+          <a:blip r:embed="rId4" cstate="print"/>
+          <a:stretch>
+            <a:fillRect/>
+          </a:stretch>
+        </p:blipFill>
+        <p:spPr>
+          <a:xfrm>
+            <a:off x="4221433" y="9122758"/>
+            <a:ext cx="8772185" cy="1264728"/>
+          </a:xfrm>
+          <a:prstGeom prst="rect">
+            <a:avLst/>
+          </a:prstGeom>
+        </p:spPr>
+      </p:pic>
+      <p:pic>
+        <p:nvPicPr>
+          <p:cNvPr id="9" name="Object 8"/>
+          <p:cNvPicPr>
+            <a:picLocks noChangeAspect="1"/>
+          </p:cNvPicPr>
+          <p:nvPr/>
+        </p:nvPicPr>
+        <p:blipFill>
+          <a:blip r:embed="rId5" cstate="print"/>
+          <a:stretch>
+            <a:fillRect/>
+          </a:stretch>
+        </p:blipFill>
+        <p:spPr>
+          <a:xfrm>
+            <a:off x="900443" y="3088852"/>
+            <a:ext cx="10252520" cy="2529460"/>
+          </a:xfrm>
+          <a:prstGeom prst="rect">
+            <a:avLst/>
+          </a:prstGeom>
+        </p:spPr>
+      </p:pic>
+      <p:grpSp>
+        <p:nvGrpSpPr>
+          <p:cNvPr id="1003" name="그룹 1003"/>
+          <p:cNvGrpSpPr/>
+          <p:nvPr/>
+        </p:nvGrpSpPr>
+        <p:grpSpPr>
+          <a:xfrm>
+            <a:off x="1857392" y="1142857"/>
+            <a:ext cx="635826" cy="635826"/>
+            <a:chOff x="1857392" y="1142857"/>
+            <a:chExt cx="635826" cy="635826"/>
+          </a:xfrm>
+        </p:grpSpPr>
+        <p:pic>
+          <p:nvPicPr>
+            <p:cNvPr id="11" name="Object 10"/>
+            <p:cNvPicPr>
+              <a:picLocks noChangeAspect="1"/>
+            </p:cNvPicPr>
+            <p:nvPr/>
+          </p:nvPicPr>
+          <p:blipFill>
+            <a:blip r:embed="rId6" cstate="print"/>
+            <a:stretch>
+              <a:fillRect/>
+            </a:stretch>
+          </p:blipFill>
+          <p:spPr>
+            <a:xfrm>
+              <a:off x="1857392" y="1142857"/>
+              <a:ext cx="635826" cy="635826"/>
+            </a:xfrm>
+            <a:prstGeom prst="rect">
+              <a:avLst/>
+            </a:prstGeom>
+          </p:spPr>
+        </p:pic>
+      </p:grpSp>
+      <p:pic>
+        <p:nvPicPr>
+          <p:cNvPr id="13" name="Object 12"/>
+          <p:cNvPicPr>
+            <a:picLocks noChangeAspect="1"/>
+          </p:cNvPicPr>
+          <p:nvPr/>
+        </p:nvPicPr>
+        <p:blipFill>
+          <a:blip r:embed="rId7" cstate="print"/>
+          <a:stretch>
+            <a:fillRect/>
+          </a:stretch>
+        </p:blipFill>
+        <p:spPr>
+          <a:xfrm>
+            <a:off x="2621692" y="1276102"/>
+            <a:ext cx="4025566" cy="496592"/>
+          </a:xfrm>
+          <a:prstGeom prst="rect">
+            <a:avLst/>
+          </a:prstGeom>
+        </p:spPr>
+      </p:pic>
+      <p:pic>
+        <p:nvPicPr>
+          <p:cNvPr id="14" name="Object 13"/>
+          <p:cNvPicPr>
+            <a:picLocks noChangeAspect="1"/>
+          </p:cNvPicPr>
+          <p:nvPr/>
+        </p:nvPicPr>
+        <p:blipFill>
+          <a:blip r:embed="rId8" cstate="print"/>
+          <a:stretch>
+            <a:fillRect/>
+          </a:stretch>
+        </p:blipFill>
+        <p:spPr>
+          <a:xfrm>
+            <a:off x="2164240" y="5315754"/>
+            <a:ext cx="7896959" cy="948549"/>
           </a:xfrm>
           <a:prstGeom prst="rect">
             <a:avLst/>
@@ -4051,7 +4361,7 @@
         </p:blipFill>
         <p:spPr>
           <a:xfrm>
-            <a:off x="-8296765" y="1091422"/>
+            <a:off x="-7977538" y="1586660"/>
             <a:ext cx="34164600" cy="9367919"/>
           </a:xfrm>
           <a:prstGeom prst="rect">
@@ -4059,24 +4369,87 @@
           </a:prstGeom>
         </p:spPr>
       </p:pic>
+      <p:grpSp>
+        <p:nvGrpSpPr>
+          <p:cNvPr id="1001" name="그룹 1001"/>
+          <p:cNvGrpSpPr/>
+          <p:nvPr/>
+        </p:nvGrpSpPr>
+        <p:grpSpPr>
+          <a:xfrm>
+            <a:off x="0" y="0"/>
+            <a:ext cx="18285714" cy="2312648"/>
+            <a:chOff x="0" y="0"/>
+            <a:chExt cx="18285714" cy="2312648"/>
+          </a:xfrm>
+        </p:grpSpPr>
+        <p:pic>
+          <p:nvPicPr>
+            <p:cNvPr id="4" name="Object 3"/>
+            <p:cNvPicPr>
+              <a:picLocks noChangeAspect="1"/>
+            </p:cNvPicPr>
+            <p:nvPr/>
+          </p:nvPicPr>
+          <p:blipFill>
+            <a:blip r:embed="rId3" cstate="print"/>
+            <a:stretch>
+              <a:fillRect/>
+            </a:stretch>
+          </p:blipFill>
+          <p:spPr>
+            <a:xfrm>
+              <a:off x="0" y="0"/>
+              <a:ext cx="18285714" cy="2312648"/>
+            </a:xfrm>
+            <a:prstGeom prst="rect">
+              <a:avLst/>
+            </a:prstGeom>
+          </p:spPr>
+        </p:pic>
+      </p:grpSp>
       <p:pic>
         <p:nvPicPr>
-          <p:cNvPr id="3" name="Object 2"/>
+          <p:cNvPr id="6" name="Object 5"/>
           <p:cNvPicPr>
             <a:picLocks noChangeAspect="1"/>
           </p:cNvPicPr>
           <p:nvPr/>
         </p:nvPicPr>
         <p:blipFill>
-          <a:blip r:embed="rId3" cstate="print"/>
+          <a:blip r:embed="rId4" cstate="print"/>
           <a:stretch>
             <a:fillRect/>
           </a:stretch>
         </p:blipFill>
         <p:spPr>
           <a:xfrm>
-            <a:off x="4346976" y="1130862"/>
+            <a:off x="4346972" y="444136"/>
             <a:ext cx="6988798" cy="1517383"/>
+          </a:xfrm>
+          <a:prstGeom prst="rect">
+            <a:avLst/>
+          </a:prstGeom>
+        </p:spPr>
+      </p:pic>
+      <p:pic>
+        <p:nvPicPr>
+          <p:cNvPr id="7" name="Object 6"/>
+          <p:cNvPicPr>
+            <a:picLocks noChangeAspect="1"/>
+          </p:cNvPicPr>
+          <p:nvPr/>
+        </p:nvPicPr>
+        <p:blipFill>
+          <a:blip r:embed="rId5" cstate="print"/>
+          <a:stretch>
+            <a:fillRect/>
+          </a:stretch>
+        </p:blipFill>
+        <p:spPr>
+          <a:xfrm>
+            <a:off x="6997192" y="1410286"/>
+            <a:ext cx="3198699" cy="562899"/>
           </a:xfrm>
           <a:prstGeom prst="rect">
             <a:avLst/>
@@ -5010,33 +5383,48 @@
           <a:chExt cx="0" cy="0"/>
         </a:xfrm>
       </p:grpSpPr>
+      <p:grpSp>
+        <p:nvGrpSpPr>
+          <p:cNvPr id="1001" name="그룹 1001"/>
+          <p:cNvGrpSpPr/>
+          <p:nvPr/>
+        </p:nvGrpSpPr>
+        <p:grpSpPr>
+          <a:xfrm>
+            <a:off x="0" y="0"/>
+            <a:ext cx="18285714" cy="2312648"/>
+            <a:chOff x="0" y="0"/>
+            <a:chExt cx="18285714" cy="2312648"/>
+          </a:xfrm>
+        </p:grpSpPr>
+        <p:pic>
+          <p:nvPicPr>
+            <p:cNvPr id="3" name="Object 2"/>
+            <p:cNvPicPr>
+              <a:picLocks noChangeAspect="1"/>
+            </p:cNvPicPr>
+            <p:nvPr/>
+          </p:nvPicPr>
+          <p:blipFill>
+            <a:blip r:embed="rId2" cstate="print"/>
+            <a:stretch>
+              <a:fillRect/>
+            </a:stretch>
+          </p:blipFill>
+          <p:spPr>
+            <a:xfrm>
+              <a:off x="0" y="0"/>
+              <a:ext cx="18285714" cy="2312648"/>
+            </a:xfrm>
+            <a:prstGeom prst="rect">
+              <a:avLst/>
+            </a:prstGeom>
+          </p:spPr>
+        </p:pic>
+      </p:grpSp>
       <p:pic>
         <p:nvPicPr>
-          <p:cNvPr id="2" name="Object 1"/>
-          <p:cNvPicPr>
-            <a:picLocks noChangeAspect="1"/>
-          </p:cNvPicPr>
-          <p:nvPr/>
-        </p:nvPicPr>
-        <p:blipFill>
-          <a:blip r:embed="rId2" cstate="print"/>
-          <a:stretch>
-            <a:fillRect/>
-          </a:stretch>
-        </p:blipFill>
-        <p:spPr>
-          <a:xfrm>
-            <a:off x="1605036" y="732775"/>
-            <a:ext cx="7605542" cy="1517383"/>
-          </a:xfrm>
-          <a:prstGeom prst="rect">
-            <a:avLst/>
-          </a:prstGeom>
-        </p:spPr>
-      </p:pic>
-      <p:pic>
-        <p:nvPicPr>
-          <p:cNvPr id="3" name="Object 2"/>
+          <p:cNvPr id="5" name="Object 4"/>
           <p:cNvPicPr>
             <a:picLocks noChangeAspect="1"/>
           </p:cNvPicPr>
@@ -5050,8 +5438,56 @@
         </p:blipFill>
         <p:spPr>
           <a:xfrm>
-            <a:off x="456194" y="2238136"/>
+            <a:off x="380003" y="2485755"/>
             <a:ext cx="14796883" cy="7675761"/>
+          </a:xfrm>
+          <a:prstGeom prst="rect">
+            <a:avLst/>
+          </a:prstGeom>
+        </p:spPr>
+      </p:pic>
+      <p:pic>
+        <p:nvPicPr>
+          <p:cNvPr id="6" name="Object 5"/>
+          <p:cNvPicPr>
+            <a:picLocks noChangeAspect="1"/>
+          </p:cNvPicPr>
+          <p:nvPr/>
+        </p:nvPicPr>
+        <p:blipFill>
+          <a:blip r:embed="rId4" cstate="print"/>
+          <a:stretch>
+            <a:fillRect/>
+          </a:stretch>
+        </p:blipFill>
+        <p:spPr>
+          <a:xfrm>
+            <a:off x="4346972" y="504154"/>
+            <a:ext cx="7605542" cy="1517383"/>
+          </a:xfrm>
+          <a:prstGeom prst="rect">
+            <a:avLst/>
+          </a:prstGeom>
+        </p:spPr>
+      </p:pic>
+      <p:pic>
+        <p:nvPicPr>
+          <p:cNvPr id="7" name="Object 6"/>
+          <p:cNvPicPr>
+            <a:picLocks noChangeAspect="1"/>
+          </p:cNvPicPr>
+          <p:nvPr/>
+        </p:nvPicPr>
+        <p:blipFill>
+          <a:blip r:embed="rId5" cstate="print"/>
+          <a:stretch>
+            <a:fillRect/>
+          </a:stretch>
+        </p:blipFill>
+        <p:spPr>
+          <a:xfrm>
+            <a:off x="7035287" y="1502649"/>
+            <a:ext cx="3198699" cy="562899"/>
           </a:xfrm>
           <a:prstGeom prst="rect">
             <a:avLst/>
@@ -5099,10 +5535,10 @@
         </p:nvGrpSpPr>
         <p:grpSpPr>
           <a:xfrm>
-            <a:off x="-109484" y="7253333"/>
-            <a:ext cx="18593037" cy="3174518"/>
-            <a:chOff x="-109484" y="7253333"/>
-            <a:chExt cx="18593037" cy="3174518"/>
+            <a:off x="2618440" y="3665845"/>
+            <a:ext cx="4004691" cy="2112820"/>
+            <a:chOff x="2618440" y="3665845"/>
+            <a:chExt cx="4004691" cy="2112820"/>
           </a:xfrm>
         </p:grpSpPr>
         <p:pic>
@@ -5121,8 +5557,8 @@
           </p:blipFill>
           <p:spPr>
             <a:xfrm>
-              <a:off x="-109484" y="7253333"/>
-              <a:ext cx="18593037" cy="3174518"/>
+              <a:off x="2618440" y="3665845"/>
+              <a:ext cx="4004691" cy="2112820"/>
             </a:xfrm>
             <a:prstGeom prst="rect">
               <a:avLst/>
@@ -5138,10 +5574,10 @@
         </p:nvGrpSpPr>
         <p:grpSpPr>
           <a:xfrm>
-            <a:off x="1562345" y="1554857"/>
-            <a:ext cx="5026522" cy="2651923"/>
-            <a:chOff x="1562345" y="1554857"/>
-            <a:chExt cx="5026522" cy="2651923"/>
+            <a:off x="2618440" y="7089189"/>
+            <a:ext cx="3958435" cy="2256308"/>
+            <a:chOff x="2618440" y="7089189"/>
+            <a:chExt cx="3958435" cy="2256308"/>
           </a:xfrm>
         </p:grpSpPr>
         <p:pic>
@@ -5160,8 +5596,8 @@
           </p:blipFill>
           <p:spPr>
             <a:xfrm>
-              <a:off x="1562345" y="1554857"/>
-              <a:ext cx="5026522" cy="2651923"/>
+              <a:off x="2618440" y="7089189"/>
+              <a:ext cx="3958435" cy="2256308"/>
             </a:xfrm>
             <a:prstGeom prst="rect">
               <a:avLst/>
@@ -5177,10 +5613,10 @@
         </p:nvGrpSpPr>
         <p:grpSpPr>
           <a:xfrm>
-            <a:off x="1562345" y="5851697"/>
-            <a:ext cx="4968463" cy="2832024"/>
-            <a:chOff x="1562345" y="5851697"/>
-            <a:chExt cx="4968463" cy="2832024"/>
+            <a:off x="11559948" y="3775493"/>
+            <a:ext cx="3958435" cy="2256308"/>
+            <a:chOff x="11559948" y="3775493"/>
+            <a:chExt cx="3958435" cy="2256308"/>
           </a:xfrm>
         </p:grpSpPr>
         <p:pic>
@@ -5199,8 +5635,8 @@
           </p:blipFill>
           <p:spPr>
             <a:xfrm>
-              <a:off x="1562345" y="5851697"/>
-              <a:ext cx="4968463" cy="2832024"/>
+              <a:off x="11559948" y="3775493"/>
+              <a:ext cx="3958435" cy="2256308"/>
             </a:xfrm>
             <a:prstGeom prst="rect">
               <a:avLst/>
@@ -5216,10 +5652,10 @@
         </p:nvGrpSpPr>
         <p:grpSpPr>
           <a:xfrm>
-            <a:off x="12785355" y="1692483"/>
-            <a:ext cx="4968463" cy="2832024"/>
-            <a:chOff x="12785355" y="1692483"/>
-            <a:chExt cx="4968463" cy="2832024"/>
+            <a:off x="11708840" y="7127919"/>
+            <a:ext cx="3958435" cy="2256308"/>
+            <a:chOff x="11708840" y="7127919"/>
+            <a:chExt cx="3958435" cy="2256308"/>
           </a:xfrm>
         </p:grpSpPr>
         <p:pic>
@@ -5238,8 +5674,8 @@
           </p:blipFill>
           <p:spPr>
             <a:xfrm>
-              <a:off x="12785355" y="1692483"/>
-              <a:ext cx="4968463" cy="2832024"/>
+              <a:off x="11708840" y="7127919"/>
+              <a:ext cx="3958435" cy="2256308"/>
             </a:xfrm>
             <a:prstGeom prst="rect">
               <a:avLst/>
@@ -5255,10 +5691,10 @@
         </p:nvGrpSpPr>
         <p:grpSpPr>
           <a:xfrm>
-            <a:off x="12972238" y="5900308"/>
-            <a:ext cx="4968463" cy="2832024"/>
-            <a:chOff x="12972238" y="5900308"/>
-            <a:chExt cx="4968463" cy="2832024"/>
+            <a:off x="7778092" y="6622644"/>
+            <a:ext cx="2847834" cy="2847834"/>
+            <a:chOff x="7778092" y="6622644"/>
+            <a:chExt cx="2847834" cy="2847834"/>
           </a:xfrm>
         </p:grpSpPr>
         <p:pic>
@@ -5277,8 +5713,8 @@
           </p:blipFill>
           <p:spPr>
             <a:xfrm>
-              <a:off x="12972238" y="5900308"/>
-              <a:ext cx="4968463" cy="2832024"/>
+              <a:off x="7778092" y="6622644"/>
+              <a:ext cx="2847834" cy="2847834"/>
             </a:xfrm>
             <a:prstGeom prst="rect">
               <a:avLst/>
@@ -5294,10 +5730,10 @@
         </p:nvGrpSpPr>
         <p:grpSpPr>
           <a:xfrm>
-            <a:off x="8038527" y="5266109"/>
-            <a:ext cx="3574483" cy="3574483"/>
-            <a:chOff x="8038527" y="5266109"/>
-            <a:chExt cx="3574483" cy="3574483"/>
+            <a:off x="7778092" y="3206552"/>
+            <a:ext cx="2810761" cy="2825249"/>
+            <a:chOff x="7778092" y="3206552"/>
+            <a:chExt cx="2810761" cy="2825249"/>
           </a:xfrm>
         </p:grpSpPr>
         <p:pic>
@@ -5316,8 +5752,8 @@
           </p:blipFill>
           <p:spPr>
             <a:xfrm>
-              <a:off x="8038527" y="5266109"/>
-              <a:ext cx="3574483" cy="3574483"/>
+              <a:off x="7778092" y="3206552"/>
+              <a:ext cx="2810761" cy="2825249"/>
             </a:xfrm>
             <a:prstGeom prst="rect">
               <a:avLst/>
@@ -5333,10 +5769,10 @@
         </p:nvGrpSpPr>
         <p:grpSpPr>
           <a:xfrm>
-            <a:off x="8038527" y="978372"/>
-            <a:ext cx="3527950" cy="3546135"/>
-            <a:chOff x="8038527" y="978372"/>
-            <a:chExt cx="3527950" cy="3546135"/>
+            <a:off x="0" y="0"/>
+            <a:ext cx="18285714" cy="2312648"/>
+            <a:chOff x="0" y="0"/>
+            <a:chExt cx="18285714" cy="2312648"/>
           </a:xfrm>
         </p:grpSpPr>
         <p:pic>
@@ -5355,8 +5791,8 @@
           </p:blipFill>
           <p:spPr>
             <a:xfrm>
-              <a:off x="8038527" y="978372"/>
-              <a:ext cx="3527950" cy="3546135"/>
+              <a:off x="0" y="0"/>
+              <a:ext cx="18285714" cy="2312648"/>
             </a:xfrm>
             <a:prstGeom prst="rect">
               <a:avLst/>
@@ -5364,6 +5800,54 @@
           </p:spPr>
         </p:pic>
       </p:grpSp>
+      <p:pic>
+        <p:nvPicPr>
+          <p:cNvPr id="23" name="Object 22"/>
+          <p:cNvPicPr>
+            <a:picLocks noChangeAspect="1"/>
+          </p:cNvPicPr>
+          <p:nvPr/>
+        </p:nvPicPr>
+        <p:blipFill>
+          <a:blip r:embed="rId9" cstate="print"/>
+          <a:stretch>
+            <a:fillRect/>
+          </a:stretch>
+        </p:blipFill>
+        <p:spPr>
+          <a:xfrm>
+            <a:off x="4346972" y="422250"/>
+            <a:ext cx="6739434" cy="1517382"/>
+          </a:xfrm>
+          <a:prstGeom prst="rect">
+            <a:avLst/>
+          </a:prstGeom>
+        </p:spPr>
+      </p:pic>
+      <p:pic>
+        <p:nvPicPr>
+          <p:cNvPr id="24" name="Object 23"/>
+          <p:cNvPicPr>
+            <a:picLocks noChangeAspect="1"/>
+          </p:cNvPicPr>
+          <p:nvPr/>
+        </p:nvPicPr>
+        <p:blipFill>
+          <a:blip r:embed="rId10" cstate="print"/>
+          <a:stretch>
+            <a:fillRect/>
+          </a:stretch>
+        </p:blipFill>
+        <p:spPr>
+          <a:xfrm>
+            <a:off x="7035287" y="1508364"/>
+            <a:ext cx="3198699" cy="562899"/>
+          </a:xfrm>
+          <a:prstGeom prst="rect">
+            <a:avLst/>
+          </a:prstGeom>
+        </p:spPr>
+      </p:pic>
     </p:spTree>
   </p:cSld>
   <p:clrMapOvr>
@@ -5405,10 +5889,10 @@
         </p:nvGrpSpPr>
         <p:grpSpPr>
           <a:xfrm>
-            <a:off x="2662919" y="843343"/>
-            <a:ext cx="12959877" cy="9149648"/>
-            <a:chOff x="2662919" y="843343"/>
-            <a:chExt cx="12959877" cy="9149648"/>
+            <a:off x="3314709" y="1881660"/>
+            <a:ext cx="11771429" cy="8550619"/>
+            <a:chOff x="3314709" y="1881660"/>
+            <a:chExt cx="11771429" cy="8550619"/>
           </a:xfrm>
         </p:grpSpPr>
         <p:pic>
@@ -5427,8 +5911,8 @@
           </p:blipFill>
           <p:spPr>
             <a:xfrm>
-              <a:off x="2662919" y="843343"/>
-              <a:ext cx="12959877" cy="9149648"/>
+              <a:off x="3314709" y="1881660"/>
+              <a:ext cx="11771429" cy="8550619"/>
             </a:xfrm>
             <a:prstGeom prst="rect">
               <a:avLst/>
@@ -5436,6 +5920,93 @@
           </p:spPr>
         </p:pic>
       </p:grpSp>
+      <p:grpSp>
+        <p:nvGrpSpPr>
+          <p:cNvPr id="1002" name="그룹 1002"/>
+          <p:cNvGrpSpPr/>
+          <p:nvPr/>
+        </p:nvGrpSpPr>
+        <p:grpSpPr>
+          <a:xfrm>
+            <a:off x="0" y="0"/>
+            <a:ext cx="18285714" cy="2312648"/>
+            <a:chOff x="0" y="0"/>
+            <a:chExt cx="18285714" cy="2312648"/>
+          </a:xfrm>
+        </p:grpSpPr>
+        <p:pic>
+          <p:nvPicPr>
+            <p:cNvPr id="6" name="Object 5"/>
+            <p:cNvPicPr>
+              <a:picLocks noChangeAspect="1"/>
+            </p:cNvPicPr>
+            <p:nvPr/>
+          </p:nvPicPr>
+          <p:blipFill>
+            <a:blip r:embed="rId3" cstate="print"/>
+            <a:stretch>
+              <a:fillRect/>
+            </a:stretch>
+          </p:blipFill>
+          <p:spPr>
+            <a:xfrm>
+              <a:off x="0" y="0"/>
+              <a:ext cx="18285714" cy="2312648"/>
+            </a:xfrm>
+            <a:prstGeom prst="rect">
+              <a:avLst/>
+            </a:prstGeom>
+          </p:spPr>
+        </p:pic>
+      </p:grpSp>
+      <p:pic>
+        <p:nvPicPr>
+          <p:cNvPr id="8" name="Object 7"/>
+          <p:cNvPicPr>
+            <a:picLocks noChangeAspect="1"/>
+          </p:cNvPicPr>
+          <p:nvPr/>
+        </p:nvPicPr>
+        <p:blipFill>
+          <a:blip r:embed="rId4" cstate="print"/>
+          <a:stretch>
+            <a:fillRect/>
+          </a:stretch>
+        </p:blipFill>
+        <p:spPr>
+          <a:xfrm>
+            <a:off x="4346972" y="523202"/>
+            <a:ext cx="7074274" cy="1517382"/>
+          </a:xfrm>
+          <a:prstGeom prst="rect">
+            <a:avLst/>
+          </a:prstGeom>
+        </p:spPr>
+      </p:pic>
+      <p:pic>
+        <p:nvPicPr>
+          <p:cNvPr id="9" name="Object 8"/>
+          <p:cNvPicPr>
+            <a:picLocks noChangeAspect="1"/>
+          </p:cNvPicPr>
+          <p:nvPr/>
+        </p:nvPicPr>
+        <p:blipFill>
+          <a:blip r:embed="rId5" cstate="print"/>
+          <a:stretch>
+            <a:fillRect/>
+          </a:stretch>
+        </p:blipFill>
+        <p:spPr>
+          <a:xfrm>
+            <a:off x="7035287" y="1609316"/>
+            <a:ext cx="3198699" cy="562899"/>
+          </a:xfrm>
+          <a:prstGeom prst="rect">
+            <a:avLst/>
+          </a:prstGeom>
+        </p:spPr>
+      </p:pic>
     </p:spTree>
   </p:cSld>
   <p:clrMapOvr>
@@ -5477,9 +6048,9 @@
         </p:nvGrpSpPr>
         <p:grpSpPr>
           <a:xfrm>
-            <a:off x="2175741" y="547928"/>
+            <a:off x="2381549" y="2226933"/>
             <a:ext cx="13522616" cy="9189859"/>
-            <a:chOff x="2175741" y="547928"/>
+            <a:chOff x="2381549" y="2226933"/>
             <a:chExt cx="13522616" cy="9189859"/>
           </a:xfrm>
         </p:grpSpPr>
@@ -5499,7 +6070,7 @@
           </p:blipFill>
           <p:spPr>
             <a:xfrm>
-              <a:off x="2175741" y="547928"/>
+              <a:off x="2381549" y="2226933"/>
               <a:ext cx="13522616" cy="9189859"/>
             </a:xfrm>
             <a:prstGeom prst="rect">
@@ -5508,6 +6079,93 @@
           </p:spPr>
         </p:pic>
       </p:grpSp>
+      <p:grpSp>
+        <p:nvGrpSpPr>
+          <p:cNvPr id="1002" name="그룹 1002"/>
+          <p:cNvGrpSpPr/>
+          <p:nvPr/>
+        </p:nvGrpSpPr>
+        <p:grpSpPr>
+          <a:xfrm>
+            <a:off x="0" y="0"/>
+            <a:ext cx="18285714" cy="2312648"/>
+            <a:chOff x="0" y="0"/>
+            <a:chExt cx="18285714" cy="2312648"/>
+          </a:xfrm>
+        </p:grpSpPr>
+        <p:pic>
+          <p:nvPicPr>
+            <p:cNvPr id="6" name="Object 5"/>
+            <p:cNvPicPr>
+              <a:picLocks noChangeAspect="1"/>
+            </p:cNvPicPr>
+            <p:nvPr/>
+          </p:nvPicPr>
+          <p:blipFill>
+            <a:blip r:embed="rId3" cstate="print"/>
+            <a:stretch>
+              <a:fillRect/>
+            </a:stretch>
+          </p:blipFill>
+          <p:spPr>
+            <a:xfrm>
+              <a:off x="0" y="0"/>
+              <a:ext cx="18285714" cy="2312648"/>
+            </a:xfrm>
+            <a:prstGeom prst="rect">
+              <a:avLst/>
+            </a:prstGeom>
+          </p:spPr>
+        </p:pic>
+      </p:grpSp>
+      <p:pic>
+        <p:nvPicPr>
+          <p:cNvPr id="8" name="Object 7"/>
+          <p:cNvPicPr>
+            <a:picLocks noChangeAspect="1"/>
+          </p:cNvPicPr>
+          <p:nvPr/>
+        </p:nvPicPr>
+        <p:blipFill>
+          <a:blip r:embed="rId4" cstate="print"/>
+          <a:stretch>
+            <a:fillRect/>
+          </a:stretch>
+        </p:blipFill>
+        <p:spPr>
+          <a:xfrm>
+            <a:off x="4346972" y="479392"/>
+            <a:ext cx="6047370" cy="1517382"/>
+          </a:xfrm>
+          <a:prstGeom prst="rect">
+            <a:avLst/>
+          </a:prstGeom>
+        </p:spPr>
+      </p:pic>
+      <p:pic>
+        <p:nvPicPr>
+          <p:cNvPr id="9" name="Object 8"/>
+          <p:cNvPicPr>
+            <a:picLocks noChangeAspect="1"/>
+          </p:cNvPicPr>
+          <p:nvPr/>
+        </p:nvPicPr>
+        <p:blipFill>
+          <a:blip r:embed="rId5" cstate="print"/>
+          <a:stretch>
+            <a:fillRect/>
+          </a:stretch>
+        </p:blipFill>
+        <p:spPr>
+          <a:xfrm>
+            <a:off x="7035287" y="1606683"/>
+            <a:ext cx="3198699" cy="562899"/>
+          </a:xfrm>
+          <a:prstGeom prst="rect">
+            <a:avLst/>
+          </a:prstGeom>
+        </p:spPr>
+      </p:pic>
     </p:spTree>
   </p:cSld>
   <p:clrMapOvr>
